--- a/Presentation.pptx
+++ b/Presentation.pptx
@@ -16787,72 +16787,72 @@
           </a:bodyPr>
           <a:lstStyle/>
           <a:p>
-            <a:pPr indent="-311150" lvl="0" marL="457200" rtl="0" algn="l">
-              <a:spcBef>
-                <a:spcPts val="0"/>
-              </a:spcBef>
-              <a:spcAft>
-                <a:spcPts val="0"/>
-              </a:spcAft>
-              <a:buSzPts val="1300"/>
+            <a:pPr indent="-330200" lvl="0" marL="457200" rtl="0" algn="l">
+              <a:spcBef>
+                <a:spcPts val="0"/>
+              </a:spcBef>
+              <a:spcAft>
+                <a:spcPts val="0"/>
+              </a:spcAft>
+              <a:buSzPts val="1600"/>
               <a:buChar char="-"/>
             </a:pPr>
             <a:r>
-              <a:rPr lang="en"/>
+              <a:rPr lang="en" sz="1600"/>
               <a:t>Upward trend in educational attainment in Romania and Europe</a:t>
             </a:r>
-            <a:endParaRPr/>
+            <a:endParaRPr sz="1600"/>
           </a:p>
           <a:p>
-            <a:pPr indent="-311150" lvl="0" marL="457200" rtl="0" algn="l">
-              <a:spcBef>
-                <a:spcPts val="0"/>
-              </a:spcBef>
-              <a:spcAft>
-                <a:spcPts val="0"/>
-              </a:spcAft>
-              <a:buSzPts val="1300"/>
+            <a:pPr indent="-330200" lvl="0" marL="457200" rtl="0" algn="l">
+              <a:spcBef>
+                <a:spcPts val="0"/>
+              </a:spcBef>
+              <a:spcAft>
+                <a:spcPts val="0"/>
+              </a:spcAft>
+              <a:buSzPts val="1600"/>
               <a:buChar char="-"/>
             </a:pPr>
             <a:r>
-              <a:rPr lang="en"/>
+              <a:rPr lang="en" sz="1600"/>
               <a:t>We are still behind most European countries</a:t>
             </a:r>
-            <a:endParaRPr/>
+            <a:endParaRPr sz="1600"/>
           </a:p>
           <a:p>
-            <a:pPr indent="-311150" lvl="0" marL="457200" rtl="0" algn="l">
-              <a:spcBef>
-                <a:spcPts val="0"/>
-              </a:spcBef>
-              <a:spcAft>
-                <a:spcPts val="0"/>
-              </a:spcAft>
-              <a:buSzPts val="1300"/>
+            <a:pPr indent="-330200" lvl="0" marL="457200" rtl="0" algn="l">
+              <a:spcBef>
+                <a:spcPts val="0"/>
+              </a:spcBef>
+              <a:spcAft>
+                <a:spcPts val="0"/>
+              </a:spcAft>
+              <a:buSzPts val="1600"/>
               <a:buChar char="-"/>
             </a:pPr>
             <a:r>
-              <a:rPr lang="en"/>
+              <a:rPr lang="en" sz="1600"/>
               <a:t>No significant influence of gender is noticed</a:t>
             </a:r>
-            <a:endParaRPr/>
+            <a:endParaRPr sz="1600"/>
           </a:p>
           <a:p>
-            <a:pPr indent="-311150" lvl="0" marL="457200" rtl="0" algn="l">
-              <a:spcBef>
-                <a:spcPts val="0"/>
-              </a:spcBef>
-              <a:spcAft>
-                <a:spcPts val="0"/>
-              </a:spcAft>
-              <a:buSzPts val="1300"/>
+            <a:pPr indent="-330200" lvl="0" marL="457200" rtl="0" algn="l">
+              <a:spcBef>
+                <a:spcPts val="0"/>
+              </a:spcBef>
+              <a:spcAft>
+                <a:spcPts val="0"/>
+              </a:spcAft>
+              <a:buSzPts val="1600"/>
               <a:buChar char="-"/>
             </a:pPr>
             <a:r>
-              <a:rPr lang="en"/>
+              <a:rPr lang="en" sz="1600"/>
               <a:t>More people than average only finish high school and do not pursue superior studies</a:t>
             </a:r>
-            <a:endParaRPr/>
+            <a:endParaRPr sz="1600"/>
           </a:p>
         </p:txBody>
       </p:sp>
@@ -17108,7 +17108,7 @@
             </a:pPr>
             <a:r>
               <a:rPr lang="en" sz="1600"/>
-              <a:t>We were wondering how/if Romania is doing compared to other European countries when it comes to education attainment</a:t>
+              <a:t>We were wondering how Romania is doing compared to other European countries when it comes to education attainment</a:t>
             </a:r>
             <a:endParaRPr sz="1600"/>
           </a:p>
@@ -17619,11 +17619,68 @@
         </p:spPr>
         <p:txBody>
           <a:bodyPr anchorCtr="0" anchor="t" bIns="91425" lIns="91425" spcFirstLastPara="1" rIns="91425" wrap="square" tIns="91425">
-            <a:normAutofit/>
+            <a:noAutofit/>
           </a:bodyPr>
           <a:lstStyle/>
           <a:p>
-            <a:pPr indent="-311150" lvl="0" marL="457200" rtl="0" algn="l">
+            <a:pPr indent="-323850" lvl="0" marL="457200" rtl="0" algn="l">
+              <a:spcBef>
+                <a:spcPts val="0"/>
+              </a:spcBef>
+              <a:spcAft>
+                <a:spcPts val="0"/>
+              </a:spcAft>
+              <a:buSzPts val="1500"/>
+              <a:buChar char="-"/>
+            </a:pPr>
+            <a:r>
+              <a:rPr lang="en" sz="1500"/>
+              <a:t>Educational </a:t>
+            </a:r>
+            <a:r>
+              <a:rPr b="1" lang="en" sz="1500"/>
+              <a:t>attainment</a:t>
+            </a:r>
+            <a:r>
+              <a:rPr lang="en" sz="1500"/>
+              <a:t> = last study cycle completed</a:t>
+            </a:r>
+            <a:endParaRPr sz="1500"/>
+          </a:p>
+          <a:p>
+            <a:pPr indent="0" lvl="0" marL="457200" rtl="0" algn="l">
+              <a:spcBef>
+                <a:spcPts val="1200"/>
+              </a:spcBef>
+              <a:spcAft>
+                <a:spcPts val="0"/>
+              </a:spcAft>
+              <a:buNone/>
+            </a:pPr>
+            <a:r>
+              <a:t/>
+            </a:r>
+            <a:endParaRPr sz="1500"/>
+          </a:p>
+          <a:p>
+            <a:pPr indent="-323850" lvl="0" marL="457200" rtl="0" algn="l">
+              <a:spcBef>
+                <a:spcPts val="1200"/>
+              </a:spcBef>
+              <a:spcAft>
+                <a:spcPts val="0"/>
+              </a:spcAft>
+              <a:buSzPts val="1500"/>
+              <a:buChar char="-"/>
+            </a:pPr>
+            <a:r>
+              <a:rPr lang="en" sz="1500"/>
+              <a:t>Our dataset is split into 3 percentage groups:</a:t>
+            </a:r>
+            <a:endParaRPr sz="1500"/>
+          </a:p>
+          <a:p>
+            <a:pPr indent="-311150" lvl="1" marL="914400" rtl="0" algn="l">
               <a:spcBef>
                 <a:spcPts val="0"/>
               </a:spcBef>
@@ -17634,21 +17691,55 @@
               <a:buChar char="-"/>
             </a:pPr>
             <a:r>
-              <a:rPr lang="en"/>
-              <a:t>Educational </a:t>
+              <a:rPr lang="en" sz="1300"/>
+              <a:t>Population that attained Secondary school or below (dropped out before high school)</a:t>
+            </a:r>
+            <a:endParaRPr sz="1300"/>
+          </a:p>
+          <a:p>
+            <a:pPr indent="-311150" lvl="1" marL="914400" rtl="0" algn="l">
+              <a:spcBef>
+                <a:spcPts val="0"/>
+              </a:spcBef>
+              <a:spcAft>
+                <a:spcPts val="0"/>
+              </a:spcAft>
+              <a:buSzPts val="1300"/>
+              <a:buChar char="-"/>
+            </a:pPr>
+            <a:r>
+              <a:rPr lang="en" sz="1300"/>
+              <a:t>Population that </a:t>
             </a:r>
             <a:r>
-              <a:rPr b="1" lang="en"/>
-              <a:t>attainment</a:t>
+              <a:rPr lang="en" sz="1300"/>
+              <a:t>graduated</a:t>
             </a:r>
             <a:r>
-              <a:rPr lang="en"/>
-              <a:t> = last study cycle completed</a:t>
+              <a:rPr lang="en" sz="1300"/>
+              <a:t> High School</a:t>
             </a:r>
-            <a:endParaRPr/>
+            <a:endParaRPr sz="1300"/>
           </a:p>
           <a:p>
-            <a:pPr indent="0" lvl="0" marL="457200" rtl="0" algn="l">
+            <a:pPr indent="-311150" lvl="1" marL="914400" rtl="0" algn="l">
+              <a:spcBef>
+                <a:spcPts val="0"/>
+              </a:spcBef>
+              <a:spcAft>
+                <a:spcPts val="0"/>
+              </a:spcAft>
+              <a:buSzPts val="1300"/>
+              <a:buChar char="-"/>
+            </a:pPr>
+            <a:r>
+              <a:rPr lang="en" sz="1300"/>
+              <a:t>Population that went on to complete university studies</a:t>
+            </a:r>
+            <a:endParaRPr sz="1300"/>
+          </a:p>
+          <a:p>
+            <a:pPr indent="0" lvl="0" marL="914400" rtl="0" algn="l">
               <a:spcBef>
                 <a:spcPts val="1200"/>
               </a:spcBef>
@@ -17660,115 +17751,24 @@
             <a:r>
               <a:t/>
             </a:r>
-            <a:endParaRPr/>
+            <a:endParaRPr sz="1500"/>
           </a:p>
           <a:p>
-            <a:pPr indent="-311150" lvl="0" marL="457200" rtl="0" algn="l">
+            <a:pPr indent="-323850" lvl="0" marL="457200" rtl="0" algn="l">
               <a:spcBef>
                 <a:spcPts val="1200"/>
               </a:spcBef>
               <a:spcAft>
                 <a:spcPts val="0"/>
               </a:spcAft>
-              <a:buSzPts val="1300"/>
+              <a:buSzPts val="1500"/>
               <a:buChar char="-"/>
             </a:pPr>
             <a:r>
-              <a:rPr lang="en"/>
-              <a:t>Our dataset is split into 3 percentage groups:</a:t>
-            </a:r>
-            <a:endParaRPr/>
-          </a:p>
-          <a:p>
-            <a:pPr indent="-298450" lvl="1" marL="914400" rtl="0" algn="l">
-              <a:spcBef>
-                <a:spcPts val="0"/>
-              </a:spcBef>
-              <a:spcAft>
-                <a:spcPts val="0"/>
-              </a:spcAft>
-              <a:buSzPts val="1100"/>
-              <a:buChar char="-"/>
-            </a:pPr>
-            <a:r>
-              <a:rPr lang="en"/>
-              <a:t>Population that attained Secondary school or below (dropped out before high school)</a:t>
-            </a:r>
-            <a:endParaRPr/>
-          </a:p>
-          <a:p>
-            <a:pPr indent="-298450" lvl="1" marL="914400" rtl="0" algn="l">
-              <a:spcBef>
-                <a:spcPts val="0"/>
-              </a:spcBef>
-              <a:spcAft>
-                <a:spcPts val="0"/>
-              </a:spcAft>
-              <a:buSzPts val="1100"/>
-              <a:buChar char="-"/>
-            </a:pPr>
-            <a:r>
-              <a:rPr lang="en"/>
-              <a:t>Population that </a:t>
-            </a:r>
-            <a:r>
-              <a:rPr lang="en"/>
-              <a:t>graduated</a:t>
-            </a:r>
-            <a:r>
-              <a:rPr lang="en"/>
-              <a:t> High School</a:t>
-            </a:r>
-            <a:endParaRPr/>
-          </a:p>
-          <a:p>
-            <a:pPr indent="-298450" lvl="1" marL="914400" rtl="0" algn="l">
-              <a:spcBef>
-                <a:spcPts val="0"/>
-              </a:spcBef>
-              <a:spcAft>
-                <a:spcPts val="0"/>
-              </a:spcAft>
-              <a:buSzPts val="1100"/>
-              <a:buChar char="-"/>
-            </a:pPr>
-            <a:r>
-              <a:rPr lang="en"/>
-              <a:t>Population that went on to complete university studies</a:t>
-            </a:r>
-            <a:endParaRPr/>
-          </a:p>
-          <a:p>
-            <a:pPr indent="0" lvl="0" marL="914400" rtl="0" algn="l">
-              <a:spcBef>
-                <a:spcPts val="1200"/>
-              </a:spcBef>
-              <a:spcAft>
-                <a:spcPts val="0"/>
-              </a:spcAft>
-              <a:buNone/>
-            </a:pPr>
-            <a:r>
-              <a:t/>
-            </a:r>
-            <a:endParaRPr/>
-          </a:p>
-          <a:p>
-            <a:pPr indent="-311150" lvl="0" marL="457200" rtl="0" algn="l">
-              <a:spcBef>
-                <a:spcPts val="1200"/>
-              </a:spcBef>
-              <a:spcAft>
-                <a:spcPts val="0"/>
-              </a:spcAft>
-              <a:buSzPts val="1300"/>
-              <a:buChar char="-"/>
-            </a:pPr>
-            <a:r>
-              <a:rPr lang="en"/>
+              <a:rPr lang="en" sz="1500"/>
               <a:t>Also split by Sex, Age group, Country and Year</a:t>
             </a:r>
-            <a:endParaRPr/>
+            <a:endParaRPr sz="1500"/>
           </a:p>
         </p:txBody>
       </p:sp>
@@ -18208,7 +18208,7 @@
             <a:r>
               <a:t/>
             </a:r>
-            <a:endParaRPr/>
+            <a:endParaRPr sz="1600"/>
           </a:p>
           <a:p>
             <a:pPr indent="0" lvl="0" marL="0" rtl="0" algn="l">
@@ -18223,7 +18223,7 @@
             <a:r>
               <a:t/>
             </a:r>
-            <a:endParaRPr/>
+            <a:endParaRPr sz="1600"/>
           </a:p>
           <a:p>
             <a:pPr indent="0" lvl="0" marL="0" rtl="0" algn="l">
@@ -18236,14 +18236,14 @@
               <a:buNone/>
             </a:pPr>
             <a:r>
-              <a:rPr lang="en"/>
+              <a:rPr lang="en" sz="1600"/>
               <a:t>We noticed that </a:t>
             </a:r>
             <a:r>
-              <a:rPr lang="en"/>
+              <a:rPr lang="en" sz="1600"/>
               <a:t>university attainment in Romania is one of the lowest in Europe.</a:t>
             </a:r>
-            <a:endParaRPr/>
+            <a:endParaRPr sz="1600"/>
           </a:p>
           <a:p>
             <a:pPr indent="0" lvl="0" marL="0" rtl="0" algn="l">
@@ -18258,7 +18258,7 @@
             <a:r>
               <a:t/>
             </a:r>
-            <a:endParaRPr/>
+            <a:endParaRPr sz="1600"/>
           </a:p>
           <a:p>
             <a:pPr indent="0" lvl="0" marL="0" rtl="0" algn="l">
@@ -18271,10 +18271,10 @@
               <a:buNone/>
             </a:pPr>
             <a:r>
-              <a:rPr lang="en"/>
+              <a:rPr lang="en" sz="1600"/>
               <a:t>Let’s dive deeper by comparing the educational level distribution in Romania with the average.</a:t>
             </a:r>
-            <a:endParaRPr/>
+            <a:endParaRPr sz="1600"/>
           </a:p>
         </p:txBody>
       </p:sp>
@@ -18438,7 +18438,7 @@
                 <a:cs typeface="Maven Pro"/>
                 <a:sym typeface="Maven Pro"/>
               </a:rPr>
-              <a:t>Education attainment across time, Europe</a:t>
+              <a:t>Education attainment across time, 25-34 age group, Europe</a:t>
             </a:r>
             <a:endParaRPr sz="1600">
               <a:solidFill>
@@ -18612,7 +18612,31 @@
                 <a:cs typeface="Maven Pro"/>
                 <a:sym typeface="Maven Pro"/>
               </a:rPr>
-              <a:t>Education attainment across time, Romania</a:t>
+              <a:t>Education attainment across time, </a:t>
+            </a:r>
+            <a:r>
+              <a:rPr lang="en" sz="1600">
+                <a:solidFill>
+                  <a:schemeClr val="dk1"/>
+                </a:solidFill>
+                <a:latin typeface="Maven Pro"/>
+                <a:ea typeface="Maven Pro"/>
+                <a:cs typeface="Maven Pro"/>
+                <a:sym typeface="Maven Pro"/>
+              </a:rPr>
+              <a:t>25-34 age group,</a:t>
+            </a:r>
+            <a:r>
+              <a:rPr lang="en" sz="1600">
+                <a:solidFill>
+                  <a:schemeClr val="dk1"/>
+                </a:solidFill>
+                <a:latin typeface="Maven Pro"/>
+                <a:ea typeface="Maven Pro"/>
+                <a:cs typeface="Maven Pro"/>
+                <a:sym typeface="Maven Pro"/>
+              </a:rPr>
+              <a:t> Romania</a:t>
             </a:r>
             <a:endParaRPr sz="1600">
               <a:solidFill>
@@ -18741,7 +18765,7 @@
         <p:spPr>
           <a:xfrm>
             <a:off x="333250" y="53650"/>
-            <a:ext cx="4607400" cy="347700"/>
+            <a:ext cx="7416900" cy="347700"/>
           </a:xfrm>
           <a:prstGeom prst="rect">
             <a:avLst/>
@@ -18779,7 +18803,7 @@
                 <a:cs typeface="Maven Pro SemiBold"/>
                 <a:sym typeface="Maven Pro SemiBold"/>
               </a:rPr>
-              <a:t>European average vs Romania</a:t>
+              <a:t>European average vs Romania - side by side</a:t>
             </a:r>
             <a:endParaRPr sz="2100">
               <a:solidFill>
